--- a/SQL_Project_Presentation.pptx
+++ b/SQL_Project_Presentation.pptx
@@ -5,7 +5,7 @@
     <p:sldMasterId id="2147483648" r:id="rId1"/>
   </p:sldMasterIdLst>
   <p:notesMasterIdLst>
-    <p:notesMasterId r:id="rId23"/>
+    <p:notesMasterId r:id="rId25"/>
   </p:notesMasterIdLst>
   <p:sldIdLst>
     <p:sldId id="278" r:id="rId2"/>
@@ -25,10 +25,12 @@
     <p:sldId id="269" r:id="rId16"/>
     <p:sldId id="275" r:id="rId17"/>
     <p:sldId id="268" r:id="rId18"/>
-    <p:sldId id="271" r:id="rId19"/>
-    <p:sldId id="272" r:id="rId20"/>
-    <p:sldId id="273" r:id="rId21"/>
-    <p:sldId id="270" r:id="rId22"/>
+    <p:sldId id="279" r:id="rId19"/>
+    <p:sldId id="280" r:id="rId20"/>
+    <p:sldId id="271" r:id="rId21"/>
+    <p:sldId id="272" r:id="rId22"/>
+    <p:sldId id="273" r:id="rId23"/>
+    <p:sldId id="270" r:id="rId24"/>
   </p:sldIdLst>
   <p:sldSz cx="12192000" cy="6858000"/>
   <p:notesSz cx="6858000" cy="9144000"/>
@@ -229,7 +231,7 @@
           <a:p>
             <a:fld id="{129F3FF5-D1F2-4134-91E3-4D306D37E53A}" type="datetimeFigureOut">
               <a:rPr lang="en-US" smtClean="0"/>
-              <a:t>10/9/2024</a:t>
+              <a:t>10/18/2024</a:t>
             </a:fld>
             <a:endParaRPr lang="en-US"/>
           </a:p>
@@ -766,7 +768,7 @@
           <a:p>
             <a:fld id="{4AAD347D-5ACD-4C99-B74B-A9C85AD731AF}" type="datetimeFigureOut">
               <a:rPr lang="en-US" dirty="0"/>
-              <a:t>10/9/2024</a:t>
+              <a:t>10/18/2024</a:t>
             </a:fld>
             <a:endParaRPr lang="en-US" dirty="0"/>
           </a:p>
@@ -1036,7 +1038,7 @@
           <a:p>
             <a:fld id="{4509A250-FF31-4206-8172-F9D3106AACB1}" type="datetimeFigureOut">
               <a:rPr lang="en-US" dirty="0"/>
-              <a:t>10/9/2024</a:t>
+              <a:t>10/18/2024</a:t>
             </a:fld>
             <a:endParaRPr lang="en-US" dirty="0"/>
           </a:p>
@@ -1225,7 +1227,7 @@
           <a:p>
             <a:fld id="{4509A250-FF31-4206-8172-F9D3106AACB1}" type="datetimeFigureOut">
               <a:rPr lang="en-US" dirty="0"/>
-              <a:t>10/9/2024</a:t>
+              <a:t>10/18/2024</a:t>
             </a:fld>
             <a:endParaRPr lang="en-US" dirty="0"/>
           </a:p>
@@ -1493,7 +1495,7 @@
           <a:p>
             <a:fld id="{4509A250-FF31-4206-8172-F9D3106AACB1}" type="datetimeFigureOut">
               <a:rPr lang="en-US" dirty="0"/>
-              <a:t>10/9/2024</a:t>
+              <a:t>10/18/2024</a:t>
             </a:fld>
             <a:endParaRPr lang="en-US" dirty="0"/>
           </a:p>
@@ -1829,7 +1831,7 @@
           <a:p>
             <a:fld id="{4509A250-FF31-4206-8172-F9D3106AACB1}" type="datetimeFigureOut">
               <a:rPr lang="en-US" dirty="0"/>
-              <a:t>10/9/2024</a:t>
+              <a:t>10/18/2024</a:t>
             </a:fld>
             <a:endParaRPr lang="en-US" dirty="0"/>
           </a:p>
@@ -2447,7 +2449,7 @@
           <a:p>
             <a:fld id="{4509A250-FF31-4206-8172-F9D3106AACB1}" type="datetimeFigureOut">
               <a:rPr lang="en-US" dirty="0"/>
-              <a:t>10/9/2024</a:t>
+              <a:t>10/18/2024</a:t>
             </a:fld>
             <a:endParaRPr lang="en-US" dirty="0"/>
           </a:p>
@@ -3302,7 +3304,7 @@
           <a:p>
             <a:fld id="{4509A250-FF31-4206-8172-F9D3106AACB1}" type="datetimeFigureOut">
               <a:rPr lang="en-US" dirty="0"/>
-              <a:t>10/9/2024</a:t>
+              <a:t>10/18/2024</a:t>
             </a:fld>
             <a:endParaRPr lang="en-US" dirty="0"/>
           </a:p>
@@ -3467,7 +3469,7 @@
           <a:p>
             <a:fld id="{4509A250-FF31-4206-8172-F9D3106AACB1}" type="datetimeFigureOut">
               <a:rPr lang="en-US" dirty="0"/>
-              <a:t>10/9/2024</a:t>
+              <a:t>10/18/2024</a:t>
             </a:fld>
             <a:endParaRPr lang="en-US" dirty="0"/>
           </a:p>
@@ -3642,7 +3644,7 @@
           <a:p>
             <a:fld id="{4509A250-FF31-4206-8172-F9D3106AACB1}" type="datetimeFigureOut">
               <a:rPr lang="en-US" dirty="0"/>
-              <a:t>10/9/2024</a:t>
+              <a:t>10/18/2024</a:t>
             </a:fld>
             <a:endParaRPr lang="en-US" dirty="0"/>
           </a:p>
@@ -3807,7 +3809,7 @@
           <a:p>
             <a:fld id="{4509A250-FF31-4206-8172-F9D3106AACB1}" type="datetimeFigureOut">
               <a:rPr lang="en-US" dirty="0"/>
-              <a:t>10/9/2024</a:t>
+              <a:t>10/18/2024</a:t>
             </a:fld>
             <a:endParaRPr lang="en-US" dirty="0"/>
           </a:p>
@@ -4049,7 +4051,7 @@
           <a:p>
             <a:fld id="{9796027F-7875-4030-9381-8BD8C4F21935}" type="datetimeFigureOut">
               <a:rPr lang="en-US" dirty="0"/>
-              <a:t>10/9/2024</a:t>
+              <a:t>10/18/2024</a:t>
             </a:fld>
             <a:endParaRPr lang="en-US" dirty="0"/>
           </a:p>
@@ -4336,7 +4338,7 @@
           <a:p>
             <a:fld id="{9796027F-7875-4030-9381-8BD8C4F21935}" type="datetimeFigureOut">
               <a:rPr lang="en-US" dirty="0"/>
-              <a:t>10/9/2024</a:t>
+              <a:t>10/18/2024</a:t>
             </a:fld>
             <a:endParaRPr lang="en-US" dirty="0"/>
           </a:p>
@@ -4775,7 +4777,7 @@
           <a:p>
             <a:fld id="{9796027F-7875-4030-9381-8BD8C4F21935}" type="datetimeFigureOut">
               <a:rPr lang="en-US" dirty="0"/>
-              <a:t>10/9/2024</a:t>
+              <a:t>10/18/2024</a:t>
             </a:fld>
             <a:endParaRPr lang="en-US" dirty="0"/>
           </a:p>
@@ -4888,7 +4890,7 @@
           <a:p>
             <a:fld id="{4509A250-FF31-4206-8172-F9D3106AACB1}" type="datetimeFigureOut">
               <a:rPr lang="en-US" dirty="0"/>
-              <a:t>10/9/2024</a:t>
+              <a:t>10/18/2024</a:t>
             </a:fld>
             <a:endParaRPr lang="en-US" dirty="0"/>
           </a:p>
@@ -4978,7 +4980,7 @@
           <a:p>
             <a:fld id="{4509A250-FF31-4206-8172-F9D3106AACB1}" type="datetimeFigureOut">
               <a:rPr lang="en-US" dirty="0"/>
-              <a:t>10/9/2024</a:t>
+              <a:t>10/18/2024</a:t>
             </a:fld>
             <a:endParaRPr lang="en-US" dirty="0"/>
           </a:p>
@@ -5252,7 +5254,7 @@
           <a:p>
             <a:fld id="{4509A250-FF31-4206-8172-F9D3106AACB1}" type="datetimeFigureOut">
               <a:rPr lang="en-US" dirty="0"/>
-              <a:t>10/9/2024</a:t>
+              <a:t>10/18/2024</a:t>
             </a:fld>
             <a:endParaRPr lang="en-US" dirty="0"/>
           </a:p>
@@ -5522,7 +5524,7 @@
           <a:p>
             <a:fld id="{4509A250-FF31-4206-8172-F9D3106AACB1}" type="datetimeFigureOut">
               <a:rPr lang="en-US" dirty="0"/>
-              <a:t>10/9/2024</a:t>
+              <a:t>10/18/2024</a:t>
             </a:fld>
             <a:endParaRPr lang="en-US" dirty="0"/>
           </a:p>
@@ -5971,7 +5973,7 @@
           <a:p>
             <a:fld id="{4AAD347D-5ACD-4C99-B74B-A9C85AD731AF}" type="datetimeFigureOut">
               <a:rPr lang="en-US" dirty="0"/>
-              <a:t>10/9/2024</a:t>
+              <a:t>10/18/2024</a:t>
             </a:fld>
             <a:endParaRPr lang="en-US" dirty="0"/>
           </a:p>
@@ -12556,6 +12558,375 @@
       </p:grpSpPr>
       <p:sp>
         <p:nvSpPr>
+          <p:cNvPr id="2" name="Title 1">
+            <a:extLst>
+              <a:ext uri="{FF2B5EF4-FFF2-40B4-BE49-F238E27FC236}">
+                <a16:creationId xmlns:a16="http://schemas.microsoft.com/office/drawing/2014/main" id="{52F27511-D0F1-A71C-6AFC-F90DCE5288C4}"/>
+              </a:ext>
+            </a:extLst>
+          </p:cNvPr>
+          <p:cNvSpPr>
+            <a:spLocks noGrp="1"/>
+          </p:cNvSpPr>
+          <p:nvPr>
+            <p:ph type="title"/>
+          </p:nvPr>
+        </p:nvSpPr>
+        <p:spPr>
+          <a:xfrm>
+            <a:off x="-10510" y="-105101"/>
+            <a:ext cx="9404723" cy="1400530"/>
+          </a:xfrm>
+        </p:spPr>
+        <p:txBody>
+          <a:bodyPr/>
+          <a:lstStyle/>
+          <a:p>
+            <a:r>
+              <a:rPr lang="en-US" b="1" dirty="0"/>
+              <a:t>Sales Analysis Dashboard</a:t>
+            </a:r>
+          </a:p>
+        </p:txBody>
+      </p:sp>
+      <p:pic>
+        <p:nvPicPr>
+          <p:cNvPr id="5" name="Picture 4">
+            <a:extLst>
+              <a:ext uri="{FF2B5EF4-FFF2-40B4-BE49-F238E27FC236}">
+                <a16:creationId xmlns:a16="http://schemas.microsoft.com/office/drawing/2014/main" id="{3014B8C2-4FE7-FCB7-7FBB-55BDE8F0FCC6}"/>
+              </a:ext>
+            </a:extLst>
+          </p:cNvPr>
+          <p:cNvPicPr>
+            <a:picLocks noChangeAspect="1"/>
+          </p:cNvPicPr>
+          <p:nvPr/>
+        </p:nvPicPr>
+        <p:blipFill>
+          <a:blip r:embed="rId2"/>
+          <a:stretch>
+            <a:fillRect/>
+          </a:stretch>
+        </p:blipFill>
+        <p:spPr>
+          <a:xfrm>
+            <a:off x="0" y="525517"/>
+            <a:ext cx="11814788" cy="6332483"/>
+          </a:xfrm>
+          <a:prstGeom prst="rect">
+            <a:avLst/>
+          </a:prstGeom>
+        </p:spPr>
+      </p:pic>
+    </p:spTree>
+    <p:extLst>
+      <p:ext uri="{BB962C8B-B14F-4D97-AF65-F5344CB8AC3E}">
+        <p14:creationId xmlns:p14="http://schemas.microsoft.com/office/powerpoint/2010/main" val="3057045040"/>
+      </p:ext>
+    </p:extLst>
+  </p:cSld>
+  <p:clrMapOvr>
+    <a:masterClrMapping/>
+  </p:clrMapOvr>
+</p:sld>
+</file>
+
+<file path=ppt/slides/slide19.xml><?xml version="1.0" encoding="utf-8"?>
+<p:sld xmlns:a="http://schemas.openxmlformats.org/drawingml/2006/main" xmlns:r="http://schemas.openxmlformats.org/officeDocument/2006/relationships" xmlns:p="http://schemas.openxmlformats.org/presentationml/2006/main">
+  <p:cSld>
+    <p:spTree>
+      <p:nvGrpSpPr>
+        <p:cNvPr id="1" name=""/>
+        <p:cNvGrpSpPr/>
+        <p:nvPr/>
+      </p:nvGrpSpPr>
+      <p:grpSpPr>
+        <a:xfrm>
+          <a:off x="0" y="0"/>
+          <a:ext cx="0" cy="0"/>
+          <a:chOff x="0" y="0"/>
+          <a:chExt cx="0" cy="0"/>
+        </a:xfrm>
+      </p:grpSpPr>
+      <p:sp>
+        <p:nvSpPr>
+          <p:cNvPr id="2" name="Title 1">
+            <a:extLst>
+              <a:ext uri="{FF2B5EF4-FFF2-40B4-BE49-F238E27FC236}">
+                <a16:creationId xmlns:a16="http://schemas.microsoft.com/office/drawing/2014/main" id="{D8F67561-6D7E-F761-3B22-D78C87C3C447}"/>
+              </a:ext>
+            </a:extLst>
+          </p:cNvPr>
+          <p:cNvSpPr>
+            <a:spLocks noGrp="1"/>
+          </p:cNvSpPr>
+          <p:nvPr>
+            <p:ph type="title"/>
+          </p:nvPr>
+        </p:nvSpPr>
+        <p:spPr>
+          <a:xfrm>
+            <a:off x="-37059" y="-62283"/>
+            <a:ext cx="7783186" cy="1008220"/>
+          </a:xfrm>
+        </p:spPr>
+        <p:txBody>
+          <a:bodyPr/>
+          <a:lstStyle/>
+          <a:p>
+            <a:r>
+              <a:rPr lang="en-US" b="1" dirty="0"/>
+              <a:t>Trend Analysis Dashboard</a:t>
+            </a:r>
+          </a:p>
+        </p:txBody>
+      </p:sp>
+      <p:pic>
+        <p:nvPicPr>
+          <p:cNvPr id="5" name="Picture 4">
+            <a:extLst>
+              <a:ext uri="{FF2B5EF4-FFF2-40B4-BE49-F238E27FC236}">
+                <a16:creationId xmlns:a16="http://schemas.microsoft.com/office/drawing/2014/main" id="{AB1F09EA-96FB-5B24-13E7-54576039CE6E}"/>
+              </a:ext>
+            </a:extLst>
+          </p:cNvPr>
+          <p:cNvPicPr>
+            <a:picLocks noChangeAspect="1"/>
+          </p:cNvPicPr>
+          <p:nvPr/>
+        </p:nvPicPr>
+        <p:blipFill>
+          <a:blip r:embed="rId2"/>
+          <a:stretch>
+            <a:fillRect/>
+          </a:stretch>
+        </p:blipFill>
+        <p:spPr>
+          <a:xfrm>
+            <a:off x="110555" y="578069"/>
+            <a:ext cx="11713583" cy="6279931"/>
+          </a:xfrm>
+          <a:prstGeom prst="rect">
+            <a:avLst/>
+          </a:prstGeom>
+        </p:spPr>
+      </p:pic>
+    </p:spTree>
+    <p:extLst>
+      <p:ext uri="{BB962C8B-B14F-4D97-AF65-F5344CB8AC3E}">
+        <p14:creationId xmlns:p14="http://schemas.microsoft.com/office/powerpoint/2010/main" val="3412537056"/>
+      </p:ext>
+    </p:extLst>
+  </p:cSld>
+  <p:clrMapOvr>
+    <a:masterClrMapping/>
+  </p:clrMapOvr>
+</p:sld>
+</file>
+
+<file path=ppt/slides/slide2.xml><?xml version="1.0" encoding="utf-8"?>
+<p:sld xmlns:a="http://schemas.openxmlformats.org/drawingml/2006/main" xmlns:r="http://schemas.openxmlformats.org/officeDocument/2006/relationships" xmlns:p="http://schemas.openxmlformats.org/presentationml/2006/main">
+  <p:cSld>
+    <p:spTree>
+      <p:nvGrpSpPr>
+        <p:cNvPr id="1" name=""/>
+        <p:cNvGrpSpPr/>
+        <p:nvPr/>
+      </p:nvGrpSpPr>
+      <p:grpSpPr>
+        <a:xfrm>
+          <a:off x="0" y="0"/>
+          <a:ext cx="0" cy="0"/>
+          <a:chOff x="0" y="0"/>
+          <a:chExt cx="0" cy="0"/>
+        </a:xfrm>
+      </p:grpSpPr>
+      <p:sp>
+        <p:nvSpPr>
+          <p:cNvPr id="1066" name="TextBox 1065">
+            <a:extLst>
+              <a:ext uri="{FF2B5EF4-FFF2-40B4-BE49-F238E27FC236}">
+                <a16:creationId xmlns:a16="http://schemas.microsoft.com/office/drawing/2014/main" id="{CD64E00A-5226-D35D-1ACE-03D2D382B8C0}"/>
+              </a:ext>
+            </a:extLst>
+          </p:cNvPr>
+          <p:cNvSpPr txBox="1"/>
+          <p:nvPr/>
+        </p:nvSpPr>
+        <p:spPr>
+          <a:xfrm>
+            <a:off x="294290" y="683172"/>
+            <a:ext cx="11372192" cy="4178067"/>
+          </a:xfrm>
+          <a:prstGeom prst="rect">
+            <a:avLst/>
+          </a:prstGeom>
+          <a:noFill/>
+        </p:spPr>
+        <p:txBody>
+          <a:bodyPr wrap="square">
+            <a:spAutoFit/>
+          </a:bodyPr>
+          <a:lstStyle/>
+          <a:p>
+            <a:pPr algn="just">
+              <a:lnSpc>
+                <a:spcPct val="150000"/>
+              </a:lnSpc>
+            </a:pPr>
+            <a:endParaRPr lang="en-US" sz="3200" b="1" kern="100" dirty="0">
+              <a:solidFill>
+                <a:srgbClr val="FFFF00"/>
+              </a:solidFill>
+              <a:latin typeface="Aharoni" panose="02010803020104030203" pitchFamily="2" charset="-79"/>
+              <a:ea typeface="Yu Gothic UI" panose="020B0500000000000000" pitchFamily="34" charset="-128"/>
+              <a:cs typeface="Aharoni" panose="02010803020104030203" pitchFamily="2" charset="-79"/>
+            </a:endParaRPr>
+          </a:p>
+          <a:p>
+            <a:pPr algn="just">
+              <a:lnSpc>
+                <a:spcPct val="150000"/>
+              </a:lnSpc>
+            </a:pPr>
+            <a:r>
+              <a:rPr lang="en-US" sz="4400" b="1" kern="100" dirty="0">
+                <a:solidFill>
+                  <a:srgbClr val="FFFF00"/>
+                </a:solidFill>
+                <a:latin typeface="Aharoni" panose="02010803020104030203" pitchFamily="2" charset="-79"/>
+                <a:ea typeface="Yu Gothic UI" panose="020B0500000000000000" pitchFamily="34" charset="-128"/>
+                <a:cs typeface="Aharoni" panose="02010803020104030203" pitchFamily="2" charset="-79"/>
+              </a:rPr>
+              <a:t>Business Problem : </a:t>
+            </a:r>
+            <a:r>
+              <a:rPr lang="en-US" sz="3200" b="1" kern="100" dirty="0">
+                <a:solidFill>
+                  <a:schemeClr val="accent3">
+                    <a:lumMod val="20000"/>
+                    <a:lumOff val="80000"/>
+                  </a:schemeClr>
+                </a:solidFill>
+                <a:latin typeface="Aharoni" panose="02010803020104030203" pitchFamily="2" charset="-79"/>
+                <a:ea typeface="Yu Gothic UI" panose="020B0500000000000000" pitchFamily="34" charset="-128"/>
+                <a:cs typeface="Aharoni" panose="02010803020104030203" pitchFamily="2" charset="-79"/>
+              </a:rPr>
+              <a:t>To analyze </a:t>
+            </a:r>
+            <a:r>
+              <a:rPr lang="en-US" sz="3200" kern="0" dirty="0">
+                <a:solidFill>
+                  <a:schemeClr val="accent3">
+                    <a:lumMod val="20000"/>
+                    <a:lumOff val="80000"/>
+                  </a:schemeClr>
+                </a:solidFill>
+                <a:effectLst/>
+                <a:latin typeface="Aharoni" panose="02010803020104030203" pitchFamily="2" charset="-79"/>
+                <a:ea typeface="Times New Roman" panose="02020603050405020304" pitchFamily="18" charset="0"/>
+                <a:cs typeface="Aharoni" panose="02010803020104030203" pitchFamily="2" charset="-79"/>
+              </a:rPr>
+              <a:t>sales data of Amazon to understand the different factors that affect sales of three different branches</a:t>
+            </a:r>
+            <a:r>
+              <a:rPr lang="en-US" sz="3200" kern="0" dirty="0">
+                <a:solidFill>
+                  <a:schemeClr val="accent3">
+                    <a:lumMod val="20000"/>
+                    <a:lumOff val="80000"/>
+                  </a:schemeClr>
+                </a:solidFill>
+                <a:latin typeface="Aharoni" panose="02010803020104030203" pitchFamily="2" charset="-79"/>
+                <a:ea typeface="Times New Roman" panose="02020603050405020304" pitchFamily="18" charset="0"/>
+                <a:cs typeface="Aharoni" panose="02010803020104030203" pitchFamily="2" charset="-79"/>
+              </a:rPr>
+              <a:t> in </a:t>
+            </a:r>
+            <a:r>
+              <a:rPr lang="en-US" sz="3200" kern="0" dirty="0">
+                <a:solidFill>
+                  <a:schemeClr val="accent3">
+                    <a:lumMod val="20000"/>
+                    <a:lumOff val="80000"/>
+                  </a:schemeClr>
+                </a:solidFill>
+                <a:latin typeface="Arial Black" panose="020B0A04020102020204" pitchFamily="34" charset="0"/>
+                <a:ea typeface="Times New Roman" panose="02020603050405020304" pitchFamily="18" charset="0"/>
+                <a:cs typeface="Aharoni" panose="02010803020104030203" pitchFamily="2" charset="-79"/>
+              </a:rPr>
+              <a:t>3</a:t>
+            </a:r>
+            <a:r>
+              <a:rPr lang="en-US" sz="3200" kern="0" dirty="0">
+                <a:solidFill>
+                  <a:schemeClr val="accent3">
+                    <a:lumMod val="20000"/>
+                    <a:lumOff val="80000"/>
+                  </a:schemeClr>
+                </a:solidFill>
+                <a:latin typeface="Aharoni" panose="02010803020104030203" pitchFamily="2" charset="-79"/>
+                <a:ea typeface="Times New Roman" panose="02020603050405020304" pitchFamily="18" charset="0"/>
+                <a:cs typeface="Aharoni" panose="02010803020104030203" pitchFamily="2" charset="-79"/>
+              </a:rPr>
+              <a:t> different Cities </a:t>
+            </a:r>
+            <a:r>
+              <a:rPr lang="en-US" sz="3600" kern="0" dirty="0">
+                <a:solidFill>
+                  <a:srgbClr val="002060"/>
+                </a:solidFill>
+                <a:latin typeface="Aharoni" panose="02010803020104030203" pitchFamily="2" charset="-79"/>
+                <a:ea typeface="Times New Roman" panose="02020603050405020304" pitchFamily="18" charset="0"/>
+                <a:cs typeface="Aharoni" panose="02010803020104030203" pitchFamily="2" charset="-79"/>
+              </a:rPr>
+              <a:t>Mandalay, Naypyitaw &amp; Yangon</a:t>
+            </a:r>
+            <a:endParaRPr lang="en-US" sz="3600" kern="0" dirty="0">
+              <a:solidFill>
+                <a:srgbClr val="00B0F0"/>
+              </a:solidFill>
+              <a:effectLst/>
+              <a:latin typeface="Aharoni" panose="02010803020104030203" pitchFamily="2" charset="-79"/>
+              <a:ea typeface="Times New Roman" panose="02020603050405020304" pitchFamily="18" charset="0"/>
+              <a:cs typeface="Aharoni" panose="02010803020104030203" pitchFamily="2" charset="-79"/>
+            </a:endParaRPr>
+          </a:p>
+        </p:txBody>
+      </p:sp>
+    </p:spTree>
+    <p:extLst>
+      <p:ext uri="{BB962C8B-B14F-4D97-AF65-F5344CB8AC3E}">
+        <p14:creationId xmlns:p14="http://schemas.microsoft.com/office/powerpoint/2010/main" val="757903774"/>
+      </p:ext>
+    </p:extLst>
+  </p:cSld>
+  <p:clrMapOvr>
+    <a:masterClrMapping/>
+  </p:clrMapOvr>
+</p:sld>
+</file>
+
+<file path=ppt/slides/slide20.xml><?xml version="1.0" encoding="utf-8"?>
+<p:sld xmlns:a="http://schemas.openxmlformats.org/drawingml/2006/main" xmlns:r="http://schemas.openxmlformats.org/officeDocument/2006/relationships" xmlns:p="http://schemas.openxmlformats.org/presentationml/2006/main">
+  <p:cSld>
+    <p:spTree>
+      <p:nvGrpSpPr>
+        <p:cNvPr id="1" name=""/>
+        <p:cNvGrpSpPr/>
+        <p:nvPr/>
+      </p:nvGrpSpPr>
+      <p:grpSpPr>
+        <a:xfrm>
+          <a:off x="0" y="0"/>
+          <a:ext cx="0" cy="0"/>
+          <a:chOff x="0" y="0"/>
+          <a:chExt cx="0" cy="0"/>
+        </a:xfrm>
+      </p:grpSpPr>
+      <p:sp>
+        <p:nvSpPr>
           <p:cNvPr id="8" name="Title 7">
             <a:extLst>
               <a:ext uri="{FF2B5EF4-FFF2-40B4-BE49-F238E27FC236}">
@@ -12957,7 +13328,7 @@
 </p:sld>
 </file>
 
-<file path=ppt/slides/slide19.xml><?xml version="1.0" encoding="utf-8"?>
+<file path=ppt/slides/slide21.xml><?xml version="1.0" encoding="utf-8"?>
 <p:sld xmlns:a="http://schemas.openxmlformats.org/drawingml/2006/main" xmlns:r="http://schemas.openxmlformats.org/officeDocument/2006/relationships" xmlns:p="http://schemas.openxmlformats.org/presentationml/2006/main">
   <p:cSld>
     <p:spTree>
@@ -13482,190 +13853,7 @@
 </p:sld>
 </file>
 
-<file path=ppt/slides/slide2.xml><?xml version="1.0" encoding="utf-8"?>
-<p:sld xmlns:a="http://schemas.openxmlformats.org/drawingml/2006/main" xmlns:r="http://schemas.openxmlformats.org/officeDocument/2006/relationships" xmlns:p="http://schemas.openxmlformats.org/presentationml/2006/main">
-  <p:cSld>
-    <p:spTree>
-      <p:nvGrpSpPr>
-        <p:cNvPr id="1" name=""/>
-        <p:cNvGrpSpPr/>
-        <p:nvPr/>
-      </p:nvGrpSpPr>
-      <p:grpSpPr>
-        <a:xfrm>
-          <a:off x="0" y="0"/>
-          <a:ext cx="0" cy="0"/>
-          <a:chOff x="0" y="0"/>
-          <a:chExt cx="0" cy="0"/>
-        </a:xfrm>
-      </p:grpSpPr>
-      <p:sp>
-        <p:nvSpPr>
-          <p:cNvPr id="1066" name="TextBox 1065">
-            <a:extLst>
-              <a:ext uri="{FF2B5EF4-FFF2-40B4-BE49-F238E27FC236}">
-                <a16:creationId xmlns:a16="http://schemas.microsoft.com/office/drawing/2014/main" id="{CD64E00A-5226-D35D-1ACE-03D2D382B8C0}"/>
-              </a:ext>
-            </a:extLst>
-          </p:cNvPr>
-          <p:cNvSpPr txBox="1"/>
-          <p:nvPr/>
-        </p:nvSpPr>
-        <p:spPr>
-          <a:xfrm>
-            <a:off x="294290" y="683172"/>
-            <a:ext cx="11372192" cy="4178067"/>
-          </a:xfrm>
-          <a:prstGeom prst="rect">
-            <a:avLst/>
-          </a:prstGeom>
-          <a:noFill/>
-        </p:spPr>
-        <p:txBody>
-          <a:bodyPr wrap="square">
-            <a:spAutoFit/>
-          </a:bodyPr>
-          <a:lstStyle/>
-          <a:p>
-            <a:pPr algn="just">
-              <a:lnSpc>
-                <a:spcPct val="150000"/>
-              </a:lnSpc>
-            </a:pPr>
-            <a:endParaRPr lang="en-US" sz="3200" b="1" kern="100" dirty="0">
-              <a:solidFill>
-                <a:srgbClr val="FFFF00"/>
-              </a:solidFill>
-              <a:latin typeface="Aharoni" panose="02010803020104030203" pitchFamily="2" charset="-79"/>
-              <a:ea typeface="Yu Gothic UI" panose="020B0500000000000000" pitchFamily="34" charset="-128"/>
-              <a:cs typeface="Aharoni" panose="02010803020104030203" pitchFamily="2" charset="-79"/>
-            </a:endParaRPr>
-          </a:p>
-          <a:p>
-            <a:pPr algn="just">
-              <a:lnSpc>
-                <a:spcPct val="150000"/>
-              </a:lnSpc>
-            </a:pPr>
-            <a:r>
-              <a:rPr lang="en-US" sz="4400" b="1" kern="100" dirty="0">
-                <a:solidFill>
-                  <a:srgbClr val="FFFF00"/>
-                </a:solidFill>
-                <a:latin typeface="Aharoni" panose="02010803020104030203" pitchFamily="2" charset="-79"/>
-                <a:ea typeface="Yu Gothic UI" panose="020B0500000000000000" pitchFamily="34" charset="-128"/>
-                <a:cs typeface="Aharoni" panose="02010803020104030203" pitchFamily="2" charset="-79"/>
-              </a:rPr>
-              <a:t>Business Problem : </a:t>
-            </a:r>
-            <a:r>
-              <a:rPr lang="en-US" sz="3200" b="1" kern="100" dirty="0">
-                <a:solidFill>
-                  <a:schemeClr val="accent3">
-                    <a:lumMod val="20000"/>
-                    <a:lumOff val="80000"/>
-                  </a:schemeClr>
-                </a:solidFill>
-                <a:latin typeface="Aharoni" panose="02010803020104030203" pitchFamily="2" charset="-79"/>
-                <a:ea typeface="Yu Gothic UI" panose="020B0500000000000000" pitchFamily="34" charset="-128"/>
-                <a:cs typeface="Aharoni" panose="02010803020104030203" pitchFamily="2" charset="-79"/>
-              </a:rPr>
-              <a:t>To analyze </a:t>
-            </a:r>
-            <a:r>
-              <a:rPr lang="en-US" sz="3200" kern="0" dirty="0">
-                <a:solidFill>
-                  <a:schemeClr val="accent3">
-                    <a:lumMod val="20000"/>
-                    <a:lumOff val="80000"/>
-                  </a:schemeClr>
-                </a:solidFill>
-                <a:effectLst/>
-                <a:latin typeface="Aharoni" panose="02010803020104030203" pitchFamily="2" charset="-79"/>
-                <a:ea typeface="Times New Roman" panose="02020603050405020304" pitchFamily="18" charset="0"/>
-                <a:cs typeface="Aharoni" panose="02010803020104030203" pitchFamily="2" charset="-79"/>
-              </a:rPr>
-              <a:t>sales data of Amazon to understand the different factors that affect sales of three different branches</a:t>
-            </a:r>
-            <a:r>
-              <a:rPr lang="en-US" sz="3200" kern="0" dirty="0">
-                <a:solidFill>
-                  <a:schemeClr val="accent3">
-                    <a:lumMod val="20000"/>
-                    <a:lumOff val="80000"/>
-                  </a:schemeClr>
-                </a:solidFill>
-                <a:latin typeface="Aharoni" panose="02010803020104030203" pitchFamily="2" charset="-79"/>
-                <a:ea typeface="Times New Roman" panose="02020603050405020304" pitchFamily="18" charset="0"/>
-                <a:cs typeface="Aharoni" panose="02010803020104030203" pitchFamily="2" charset="-79"/>
-              </a:rPr>
-              <a:t> in </a:t>
-            </a:r>
-            <a:r>
-              <a:rPr lang="en-US" sz="3200" kern="0" dirty="0">
-                <a:solidFill>
-                  <a:schemeClr val="accent3">
-                    <a:lumMod val="20000"/>
-                    <a:lumOff val="80000"/>
-                  </a:schemeClr>
-                </a:solidFill>
-                <a:latin typeface="Arial Black" panose="020B0A04020102020204" pitchFamily="34" charset="0"/>
-                <a:ea typeface="Times New Roman" panose="02020603050405020304" pitchFamily="18" charset="0"/>
-                <a:cs typeface="Aharoni" panose="02010803020104030203" pitchFamily="2" charset="-79"/>
-              </a:rPr>
-              <a:t>3</a:t>
-            </a:r>
-            <a:r>
-              <a:rPr lang="en-US" sz="3200" kern="0" dirty="0">
-                <a:solidFill>
-                  <a:schemeClr val="accent3">
-                    <a:lumMod val="20000"/>
-                    <a:lumOff val="80000"/>
-                  </a:schemeClr>
-                </a:solidFill>
-                <a:latin typeface="Aharoni" panose="02010803020104030203" pitchFamily="2" charset="-79"/>
-                <a:ea typeface="Times New Roman" panose="02020603050405020304" pitchFamily="18" charset="0"/>
-                <a:cs typeface="Aharoni" panose="02010803020104030203" pitchFamily="2" charset="-79"/>
-              </a:rPr>
-              <a:t> different Cities </a:t>
-            </a:r>
-            <a:r>
-              <a:rPr lang="en-US" sz="3600" kern="0" dirty="0">
-                <a:solidFill>
-                  <a:srgbClr val="002060"/>
-                </a:solidFill>
-                <a:latin typeface="Aharoni" panose="02010803020104030203" pitchFamily="2" charset="-79"/>
-                <a:ea typeface="Times New Roman" panose="02020603050405020304" pitchFamily="18" charset="0"/>
-                <a:cs typeface="Aharoni" panose="02010803020104030203" pitchFamily="2" charset="-79"/>
-              </a:rPr>
-              <a:t>Mandalay, Naypyitaw &amp; Yangon</a:t>
-            </a:r>
-            <a:endParaRPr lang="en-US" sz="3600" kern="0" dirty="0">
-              <a:solidFill>
-                <a:srgbClr val="00B0F0"/>
-              </a:solidFill>
-              <a:effectLst/>
-              <a:latin typeface="Aharoni" panose="02010803020104030203" pitchFamily="2" charset="-79"/>
-              <a:ea typeface="Times New Roman" panose="02020603050405020304" pitchFamily="18" charset="0"/>
-              <a:cs typeface="Aharoni" panose="02010803020104030203" pitchFamily="2" charset="-79"/>
-            </a:endParaRPr>
-          </a:p>
-        </p:txBody>
-      </p:sp>
-    </p:spTree>
-    <p:extLst>
-      <p:ext uri="{BB962C8B-B14F-4D97-AF65-F5344CB8AC3E}">
-        <p14:creationId xmlns:p14="http://schemas.microsoft.com/office/powerpoint/2010/main" val="757903774"/>
-      </p:ext>
-    </p:extLst>
-  </p:cSld>
-  <p:clrMapOvr>
-    <a:masterClrMapping/>
-  </p:clrMapOvr>
-</p:sld>
-</file>
-
-<file path=ppt/slides/slide20.xml><?xml version="1.0" encoding="utf-8"?>
+<file path=ppt/slides/slide22.xml><?xml version="1.0" encoding="utf-8"?>
 <p:sld xmlns:a="http://schemas.openxmlformats.org/drawingml/2006/main" xmlns:r="http://schemas.openxmlformats.org/officeDocument/2006/relationships" xmlns:p="http://schemas.openxmlformats.org/presentationml/2006/main">
   <p:cSld>
     <p:spTree>
@@ -14131,7 +14319,7 @@
 </p:sld>
 </file>
 
-<file path=ppt/slides/slide21.xml><?xml version="1.0" encoding="utf-8"?>
+<file path=ppt/slides/slide23.xml><?xml version="1.0" encoding="utf-8"?>
 <p:sld xmlns:a="http://schemas.openxmlformats.org/drawingml/2006/main" xmlns:r="http://schemas.openxmlformats.org/officeDocument/2006/relationships" xmlns:p="http://schemas.openxmlformats.org/presentationml/2006/main">
   <p:cSld>
     <p:spTree>
